--- a/projects/17_11_17_market/figs/fig1.pptx
+++ b/projects/17_11_17_market/figs/fig1.pptx
@@ -104,6 +104,11 @@
       </a:defRPr>
     </a:lvl9pPr>
   </p:defaultTextStyle>
+  <p:extLst>
+    <p:ext uri="{EFAFB233-063F-42B5-8137-9DF3F51BA10A}">
+      <p15:sldGuideLst xmlns:p15="http://schemas.microsoft.com/office/powerpoint/2012/main"/>
+    </p:ext>
+  </p:extLst>
 </p:presentation>
 </file>
 
@@ -258,7 +263,7 @@
           <a:p>
             <a:fld id="{E81D94E8-F801-4F4E-B6BE-FE6AD29044C6}" type="datetimeFigureOut">
               <a:rPr lang="en-US" smtClean="0"/>
-              <a:t>11/17/2017</a:t>
+              <a:t>11/30/2017</a:t>
             </a:fld>
             <a:endParaRPr lang="en-US"/>
           </a:p>
@@ -456,7 +461,7 @@
           <a:p>
             <a:fld id="{E81D94E8-F801-4F4E-B6BE-FE6AD29044C6}" type="datetimeFigureOut">
               <a:rPr lang="en-US" smtClean="0"/>
-              <a:t>11/17/2017</a:t>
+              <a:t>11/30/2017</a:t>
             </a:fld>
             <a:endParaRPr lang="en-US"/>
           </a:p>
@@ -664,7 +669,7 @@
           <a:p>
             <a:fld id="{E81D94E8-F801-4F4E-B6BE-FE6AD29044C6}" type="datetimeFigureOut">
               <a:rPr lang="en-US" smtClean="0"/>
-              <a:t>11/17/2017</a:t>
+              <a:t>11/30/2017</a:t>
             </a:fld>
             <a:endParaRPr lang="en-US"/>
           </a:p>
@@ -862,7 +867,7 @@
           <a:p>
             <a:fld id="{E81D94E8-F801-4F4E-B6BE-FE6AD29044C6}" type="datetimeFigureOut">
               <a:rPr lang="en-US" smtClean="0"/>
-              <a:t>11/17/2017</a:t>
+              <a:t>11/30/2017</a:t>
             </a:fld>
             <a:endParaRPr lang="en-US"/>
           </a:p>
@@ -1137,7 +1142,7 @@
           <a:p>
             <a:fld id="{E81D94E8-F801-4F4E-B6BE-FE6AD29044C6}" type="datetimeFigureOut">
               <a:rPr lang="en-US" smtClean="0"/>
-              <a:t>11/17/2017</a:t>
+              <a:t>11/30/2017</a:t>
             </a:fld>
             <a:endParaRPr lang="en-US"/>
           </a:p>
@@ -1402,7 +1407,7 @@
           <a:p>
             <a:fld id="{E81D94E8-F801-4F4E-B6BE-FE6AD29044C6}" type="datetimeFigureOut">
               <a:rPr lang="en-US" smtClean="0"/>
-              <a:t>11/17/2017</a:t>
+              <a:t>11/30/2017</a:t>
             </a:fld>
             <a:endParaRPr lang="en-US"/>
           </a:p>
@@ -1814,7 +1819,7 @@
           <a:p>
             <a:fld id="{E81D94E8-F801-4F4E-B6BE-FE6AD29044C6}" type="datetimeFigureOut">
               <a:rPr lang="en-US" smtClean="0"/>
-              <a:t>11/17/2017</a:t>
+              <a:t>11/30/2017</a:t>
             </a:fld>
             <a:endParaRPr lang="en-US"/>
           </a:p>
@@ -1955,7 +1960,7 @@
           <a:p>
             <a:fld id="{E81D94E8-F801-4F4E-B6BE-FE6AD29044C6}" type="datetimeFigureOut">
               <a:rPr lang="en-US" smtClean="0"/>
-              <a:t>11/17/2017</a:t>
+              <a:t>11/30/2017</a:t>
             </a:fld>
             <a:endParaRPr lang="en-US"/>
           </a:p>
@@ -2068,7 +2073,7 @@
           <a:p>
             <a:fld id="{E81D94E8-F801-4F4E-B6BE-FE6AD29044C6}" type="datetimeFigureOut">
               <a:rPr lang="en-US" smtClean="0"/>
-              <a:t>11/17/2017</a:t>
+              <a:t>11/30/2017</a:t>
             </a:fld>
             <a:endParaRPr lang="en-US"/>
           </a:p>
@@ -2379,7 +2384,7 @@
           <a:p>
             <a:fld id="{E81D94E8-F801-4F4E-B6BE-FE6AD29044C6}" type="datetimeFigureOut">
               <a:rPr lang="en-US" smtClean="0"/>
-              <a:t>11/17/2017</a:t>
+              <a:t>11/30/2017</a:t>
             </a:fld>
             <a:endParaRPr lang="en-US"/>
           </a:p>
@@ -2667,7 +2672,7 @@
           <a:p>
             <a:fld id="{E81D94E8-F801-4F4E-B6BE-FE6AD29044C6}" type="datetimeFigureOut">
               <a:rPr lang="en-US" smtClean="0"/>
-              <a:t>11/17/2017</a:t>
+              <a:t>11/30/2017</a:t>
             </a:fld>
             <a:endParaRPr lang="en-US"/>
           </a:p>
@@ -2908,7 +2913,7 @@
           <a:p>
             <a:fld id="{E81D94E8-F801-4F4E-B6BE-FE6AD29044C6}" type="datetimeFigureOut">
               <a:rPr lang="en-US" smtClean="0"/>
-              <a:t>11/17/2017</a:t>
+              <a:t>11/30/2017</a:t>
             </a:fld>
             <a:endParaRPr lang="en-US"/>
           </a:p>
@@ -3339,7 +3344,7 @@
         </p:nvGrpSpPr>
         <p:grpSpPr>
           <a:xfrm>
-            <a:off x="2140616" y="1206278"/>
+            <a:off x="2263167" y="1206278"/>
             <a:ext cx="7040168" cy="1891704"/>
             <a:chOff x="2140616" y="980237"/>
             <a:chExt cx="7040168" cy="1891704"/>
@@ -3504,7 +3509,7 @@
         </p:nvGrpSpPr>
         <p:grpSpPr>
           <a:xfrm>
-            <a:off x="2140616" y="4564581"/>
+            <a:off x="2263167" y="4564581"/>
             <a:ext cx="7040168" cy="1152893"/>
             <a:chOff x="2140616" y="4564581"/>
             <a:chExt cx="7040168" cy="1152893"/>
@@ -3691,86 +3696,194 @@
           </p:spPr>
         </p:pic>
       </p:grpSp>
-      <p:sp>
-        <p:nvSpPr>
-          <p:cNvPr id="15" name="TextBox 14">
-            <a:extLst>
-              <a:ext uri="{FF2B5EF4-FFF2-40B4-BE49-F238E27FC236}">
-                <a16:creationId xmlns:a16="http://schemas.microsoft.com/office/drawing/2014/main" id="{AC28E5C4-AA0F-492C-8525-1D84C97A4E21}"/>
-              </a:ext>
-            </a:extLst>
-          </p:cNvPr>
-          <p:cNvSpPr txBox="1"/>
-          <p:nvPr/>
-        </p:nvSpPr>
-        <p:spPr>
-          <a:xfrm>
-            <a:off x="4869367" y="409651"/>
-            <a:ext cx="1965586" cy="584775"/>
-          </a:xfrm>
-          <a:prstGeom prst="rect">
-            <a:avLst/>
-          </a:prstGeom>
-          <a:noFill/>
-        </p:spPr>
-        <p:txBody>
-          <a:bodyPr wrap="square" rtlCol="0">
-            <a:spAutoFit/>
-          </a:bodyPr>
-          <a:lstStyle/>
-          <a:p>
-            <a:pPr algn="ctr"/>
-            <a:r>
-              <a:rPr lang="en-US" sz="3200" i="1" dirty="0"/>
-              <a:t>m</a:t>
-            </a:r>
-            <a:r>
-              <a:rPr lang="en-US" sz="3200" dirty="0"/>
-              <a:t> agents</a:t>
-            </a:r>
-          </a:p>
-        </p:txBody>
-      </p:sp>
-      <p:sp>
-        <p:nvSpPr>
-          <p:cNvPr id="16" name="TextBox 15">
-            <a:extLst>
-              <a:ext uri="{FF2B5EF4-FFF2-40B4-BE49-F238E27FC236}">
-                <a16:creationId xmlns:a16="http://schemas.microsoft.com/office/drawing/2014/main" id="{C1B6C8DE-2B69-43DB-A0F3-8590E6DDA391}"/>
-              </a:ext>
-            </a:extLst>
-          </p:cNvPr>
-          <p:cNvSpPr txBox="1"/>
-          <p:nvPr/>
-        </p:nvSpPr>
-        <p:spPr>
-          <a:xfrm>
-            <a:off x="4955807" y="5738977"/>
-            <a:ext cx="1778076" cy="584775"/>
-          </a:xfrm>
-          <a:prstGeom prst="rect">
-            <a:avLst/>
-          </a:prstGeom>
-          <a:noFill/>
-        </p:spPr>
-        <p:txBody>
-          <a:bodyPr wrap="square" rtlCol="0">
-            <a:spAutoFit/>
-          </a:bodyPr>
-          <a:lstStyle/>
-          <a:p>
-            <a:pPr algn="ctr"/>
-            <a:r>
-              <a:rPr lang="en-US" sz="3200" i="1" dirty="0"/>
-              <a:t>n</a:t>
-            </a:r>
-            <a:r>
-              <a:rPr lang="en-US" sz="3200" dirty="0"/>
-              <a:t> goods</a:t>
-            </a:r>
-          </a:p>
-        </p:txBody>
-      </p:sp>
+      <mc:AlternateContent xmlns:mc="http://schemas.openxmlformats.org/markup-compatibility/2006">
+        <mc:Choice xmlns:a14="http://schemas.microsoft.com/office/drawing/2010/main" Requires="a14">
+          <p:sp>
+            <p:nvSpPr>
+              <p:cNvPr id="15" name="TextBox 14">
+                <a:extLst>
+                  <a:ext uri="{FF2B5EF4-FFF2-40B4-BE49-F238E27FC236}">
+                    <a16:creationId xmlns:a16="http://schemas.microsoft.com/office/drawing/2014/main" id="{AC28E5C4-AA0F-492C-8525-1D84C97A4E21}"/>
+                  </a:ext>
+                </a:extLst>
+              </p:cNvPr>
+              <p:cNvSpPr txBox="1"/>
+              <p:nvPr/>
+            </p:nvSpPr>
+            <p:spPr>
+              <a:xfrm>
+                <a:off x="4991918" y="409651"/>
+                <a:ext cx="1965586" cy="584775"/>
+              </a:xfrm>
+              <a:prstGeom prst="rect">
+                <a:avLst/>
+              </a:prstGeom>
+              <a:noFill/>
+            </p:spPr>
+            <p:txBody>
+              <a:bodyPr wrap="square" rtlCol="0">
+                <a:spAutoFit/>
+              </a:bodyPr>
+              <a:lstStyle/>
+              <a:p>
+                <a:pPr algn="ctr"/>
+                <a14:m>
+                  <m:oMath xmlns:m="http://schemas.openxmlformats.org/officeDocument/2006/math">
+                    <m:r>
+                      <a:rPr lang="en-US" sz="3200" b="0" i="1" smtClean="0">
+                        <a:latin typeface="Cambria Math" panose="02040503050406030204" pitchFamily="18" charset="0"/>
+                      </a:rPr>
+                      <m:t>𝑚</m:t>
+                    </m:r>
+                  </m:oMath>
+                </a14:m>
+                <a:r>
+                  <a:rPr lang="en-US" sz="3200" dirty="0"/>
+                  <a:t> agents</a:t>
+                </a:r>
+              </a:p>
+            </p:txBody>
+          </p:sp>
+        </mc:Choice>
+        <mc:Fallback>
+          <p:sp>
+            <p:nvSpPr>
+              <p:cNvPr id="15" name="TextBox 14">
+                <a:extLst>
+                  <a:ext uri="{FF2B5EF4-FFF2-40B4-BE49-F238E27FC236}">
+                    <a16:creationId xmlns:a16="http://schemas.microsoft.com/office/drawing/2014/main" id="{AC28E5C4-AA0F-492C-8525-1D84C97A4E21}"/>
+                  </a:ext>
+                </a:extLst>
+              </p:cNvPr>
+              <p:cNvSpPr txBox="1">
+                <a:spLocks noRot="1" noChangeAspect="1" noMove="1" noResize="1" noEditPoints="1" noAdjustHandles="1" noChangeArrowheads="1" noChangeShapeType="1" noTextEdit="1"/>
+              </p:cNvSpPr>
+              <p:nvPr/>
+            </p:nvSpPr>
+            <p:spPr>
+              <a:xfrm>
+                <a:off x="4991918" y="409651"/>
+                <a:ext cx="1965586" cy="584775"/>
+              </a:xfrm>
+              <a:prstGeom prst="rect">
+                <a:avLst/>
+              </a:prstGeom>
+              <a:blipFill>
+                <a:blip r:embed="rId4"/>
+                <a:stretch>
+                  <a:fillRect t="-12500" r="-1553" b="-34375"/>
+                </a:stretch>
+              </a:blipFill>
+            </p:spPr>
+            <p:txBody>
+              <a:bodyPr/>
+              <a:lstStyle/>
+              <a:p>
+                <a:r>
+                  <a:rPr lang="en-US">
+                    <a:noFill/>
+                  </a:rPr>
+                  <a:t> </a:t>
+                </a:r>
+              </a:p>
+            </p:txBody>
+          </p:sp>
+        </mc:Fallback>
+      </mc:AlternateContent>
+      <mc:AlternateContent xmlns:mc="http://schemas.openxmlformats.org/markup-compatibility/2006">
+        <mc:Choice xmlns:a14="http://schemas.microsoft.com/office/drawing/2010/main" Requires="a14">
+          <p:sp>
+            <p:nvSpPr>
+              <p:cNvPr id="16" name="TextBox 15">
+                <a:extLst>
+                  <a:ext uri="{FF2B5EF4-FFF2-40B4-BE49-F238E27FC236}">
+                    <a16:creationId xmlns:a16="http://schemas.microsoft.com/office/drawing/2014/main" id="{C1B6C8DE-2B69-43DB-A0F3-8590E6DDA391}"/>
+                  </a:ext>
+                </a:extLst>
+              </p:cNvPr>
+              <p:cNvSpPr txBox="1"/>
+              <p:nvPr/>
+            </p:nvSpPr>
+            <p:spPr>
+              <a:xfrm>
+                <a:off x="5078358" y="5738977"/>
+                <a:ext cx="1778076" cy="584775"/>
+              </a:xfrm>
+              <a:prstGeom prst="rect">
+                <a:avLst/>
+              </a:prstGeom>
+              <a:noFill/>
+            </p:spPr>
+            <p:txBody>
+              <a:bodyPr wrap="square" rtlCol="0">
+                <a:spAutoFit/>
+              </a:bodyPr>
+              <a:lstStyle/>
+              <a:p>
+                <a:pPr algn="ctr"/>
+                <a14:m>
+                  <m:oMath xmlns:m="http://schemas.openxmlformats.org/officeDocument/2006/math">
+                    <m:r>
+                      <a:rPr lang="en-US" sz="3200" b="0" i="1" smtClean="0">
+                        <a:latin typeface="Cambria Math" panose="02040503050406030204" pitchFamily="18" charset="0"/>
+                      </a:rPr>
+                      <m:t>𝑛</m:t>
+                    </m:r>
+                  </m:oMath>
+                </a14:m>
+                <a:r>
+                  <a:rPr lang="en-US" sz="3200" dirty="0"/>
+                  <a:t> goods</a:t>
+                </a:r>
+              </a:p>
+            </p:txBody>
+          </p:sp>
+        </mc:Choice>
+        <mc:Fallback>
+          <p:sp>
+            <p:nvSpPr>
+              <p:cNvPr id="16" name="TextBox 15">
+                <a:extLst>
+                  <a:ext uri="{FF2B5EF4-FFF2-40B4-BE49-F238E27FC236}">
+                    <a16:creationId xmlns:a16="http://schemas.microsoft.com/office/drawing/2014/main" id="{C1B6C8DE-2B69-43DB-A0F3-8590E6DDA391}"/>
+                  </a:ext>
+                </a:extLst>
+              </p:cNvPr>
+              <p:cNvSpPr txBox="1">
+                <a:spLocks noRot="1" noChangeAspect="1" noMove="1" noResize="1" noEditPoints="1" noAdjustHandles="1" noChangeArrowheads="1" noChangeShapeType="1" noTextEdit="1"/>
+              </p:cNvSpPr>
+              <p:nvPr/>
+            </p:nvSpPr>
+            <p:spPr>
+              <a:xfrm>
+                <a:off x="5078358" y="5738977"/>
+                <a:ext cx="1778076" cy="584775"/>
+              </a:xfrm>
+              <a:prstGeom prst="rect">
+                <a:avLst/>
+              </a:prstGeom>
+              <a:blipFill>
+                <a:blip r:embed="rId5"/>
+                <a:stretch>
+                  <a:fillRect t="-12500" r="-1027" b="-34375"/>
+                </a:stretch>
+              </a:blipFill>
+            </p:spPr>
+            <p:txBody>
+              <a:bodyPr/>
+              <a:lstStyle/>
+              <a:p>
+                <a:r>
+                  <a:rPr lang="en-US">
+                    <a:noFill/>
+                  </a:rPr>
+                  <a:t> </a:t>
+                </a:r>
+              </a:p>
+            </p:txBody>
+          </p:sp>
+        </mc:Fallback>
+      </mc:AlternateContent>
       <p:cxnSp>
         <p:nvCxnSpPr>
           <p:cNvPr id="20" name="Straight Connector 19">
@@ -3788,12 +3901,13 @@
         </p:nvCxnSpPr>
         <p:spPr>
           <a:xfrm>
-            <a:off x="2628864" y="3097982"/>
+            <a:off x="2751415" y="3097982"/>
             <a:ext cx="1518842" cy="1466601"/>
           </a:xfrm>
           <a:prstGeom prst="line">
             <a:avLst/>
           </a:prstGeom>
+          <a:ln w="76200"/>
         </p:spPr>
         <p:style>
           <a:lnRef idx="3">
@@ -3828,12 +3942,13 @@
         </p:nvCxnSpPr>
         <p:spPr>
           <a:xfrm>
-            <a:off x="4650088" y="3097982"/>
+            <a:off x="4772639" y="3097982"/>
             <a:ext cx="1010612" cy="1466600"/>
           </a:xfrm>
           <a:prstGeom prst="line">
             <a:avLst/>
           </a:prstGeom>
+          <a:ln w="76200"/>
         </p:spPr>
         <p:style>
           <a:lnRef idx="3">
@@ -3867,12 +3982,13 @@
         </p:nvCxnSpPr>
         <p:spPr>
           <a:xfrm>
-            <a:off x="6671312" y="3097982"/>
+            <a:off x="6793863" y="3097982"/>
             <a:ext cx="502382" cy="1466599"/>
           </a:xfrm>
           <a:prstGeom prst="line">
             <a:avLst/>
           </a:prstGeom>
+          <a:ln w="38100"/>
         </p:spPr>
         <p:style>
           <a:lnRef idx="3">
@@ -3906,12 +4022,13 @@
         </p:nvCxnSpPr>
         <p:spPr>
           <a:xfrm flipH="1">
-            <a:off x="5660700" y="3097982"/>
+            <a:off x="5783251" y="3097982"/>
             <a:ext cx="3031837" cy="1466600"/>
           </a:xfrm>
           <a:prstGeom prst="line">
             <a:avLst/>
           </a:prstGeom>
+          <a:ln w="76200"/>
         </p:spPr>
         <p:style>
           <a:lnRef idx="3">
@@ -3946,12 +4063,13 @@
         </p:nvCxnSpPr>
         <p:spPr>
           <a:xfrm flipH="1">
-            <a:off x="2634712" y="3097982"/>
+            <a:off x="2757263" y="3097982"/>
             <a:ext cx="2015376" cy="1466601"/>
           </a:xfrm>
           <a:prstGeom prst="line">
             <a:avLst/>
           </a:prstGeom>
+          <a:ln w="38100"/>
         </p:spPr>
         <p:style>
           <a:lnRef idx="2">
@@ -3986,12 +4104,13 @@
         </p:nvCxnSpPr>
         <p:spPr>
           <a:xfrm>
-            <a:off x="2628864" y="3097982"/>
+            <a:off x="2751415" y="3097982"/>
             <a:ext cx="5848" cy="1466601"/>
           </a:xfrm>
           <a:prstGeom prst="line">
             <a:avLst/>
           </a:prstGeom>
+          <a:ln w="12700"/>
         </p:spPr>
         <p:style>
           <a:lnRef idx="1">
@@ -4026,12 +4145,13 @@
         </p:nvCxnSpPr>
         <p:spPr>
           <a:xfrm flipH="1">
-            <a:off x="4147706" y="3097982"/>
+            <a:off x="4270257" y="3097982"/>
             <a:ext cx="2523606" cy="1466601"/>
           </a:xfrm>
           <a:prstGeom prst="line">
             <a:avLst/>
           </a:prstGeom>
+          <a:ln w="12700"/>
         </p:spPr>
         <p:style>
           <a:lnRef idx="1">
@@ -4065,12 +4185,13 @@
         </p:nvCxnSpPr>
         <p:spPr>
           <a:xfrm flipH="1">
-            <a:off x="8686688" y="3097982"/>
+            <a:off x="8809239" y="3097982"/>
             <a:ext cx="5849" cy="1466599"/>
           </a:xfrm>
           <a:prstGeom prst="line">
             <a:avLst/>
           </a:prstGeom>
+          <a:ln w="12700"/>
         </p:spPr>
         <p:style>
           <a:lnRef idx="2">
@@ -4104,7 +4225,7 @@
         </p:nvCxnSpPr>
         <p:spPr>
           <a:xfrm>
-            <a:off x="2628864" y="3097982"/>
+            <a:off x="2751415" y="3097982"/>
             <a:ext cx="0" cy="0"/>
           </a:xfrm>
           <a:prstGeom prst="line">
@@ -4143,12 +4264,13 @@
         </p:nvCxnSpPr>
         <p:spPr>
           <a:xfrm flipH="1">
-            <a:off x="4147706" y="3097982"/>
+            <a:off x="4270257" y="3097982"/>
             <a:ext cx="502382" cy="1466601"/>
           </a:xfrm>
           <a:prstGeom prst="line">
             <a:avLst/>
           </a:prstGeom>
+          <a:ln w="12700"/>
         </p:spPr>
         <p:style>
           <a:lnRef idx="1">
@@ -4183,12 +4305,13 @@
         </p:nvCxnSpPr>
         <p:spPr>
           <a:xfrm>
-            <a:off x="2628864" y="3097982"/>
+            <a:off x="2751415" y="3097982"/>
             <a:ext cx="3031836" cy="1466600"/>
           </a:xfrm>
           <a:prstGeom prst="line">
             <a:avLst/>
           </a:prstGeom>
+          <a:ln w="38100"/>
         </p:spPr>
         <p:style>
           <a:lnRef idx="2">
@@ -4219,7 +4342,7 @@
         </p:nvGrpSpPr>
         <p:grpSpPr>
           <a:xfrm>
-            <a:off x="3011216" y="2369324"/>
+            <a:off x="3133767" y="2369324"/>
             <a:ext cx="6553501" cy="622732"/>
             <a:chOff x="3011216" y="2369324"/>
             <a:chExt cx="6553501" cy="622732"/>
@@ -4240,7 +4363,7 @@
             <p:nvPr/>
           </p:nvPicPr>
           <p:blipFill>
-            <a:blip r:embed="rId4">
+            <a:blip r:embed="rId6">
               <a:extLst>
                 <a:ext uri="{28A0092B-C50C-407E-A947-70E740481C1C}">
                   <a14:useLocalDpi xmlns:a14="http://schemas.microsoft.com/office/drawing/2010/main" val="0"/>
@@ -4276,7 +4399,7 @@
             <p:nvPr/>
           </p:nvPicPr>
           <p:blipFill>
-            <a:blip r:embed="rId4">
+            <a:blip r:embed="rId6">
               <a:extLst>
                 <a:ext uri="{28A0092B-C50C-407E-A947-70E740481C1C}">
                   <a14:useLocalDpi xmlns:a14="http://schemas.microsoft.com/office/drawing/2010/main" val="0"/>
@@ -4312,7 +4435,7 @@
             <p:nvPr/>
           </p:nvPicPr>
           <p:blipFill>
-            <a:blip r:embed="rId4">
+            <a:blip r:embed="rId6">
               <a:extLst>
                 <a:ext uri="{28A0092B-C50C-407E-A947-70E740481C1C}">
                   <a14:useLocalDpi xmlns:a14="http://schemas.microsoft.com/office/drawing/2010/main" val="0"/>
@@ -4348,7 +4471,7 @@
             <p:nvPr/>
           </p:nvPicPr>
           <p:blipFill>
-            <a:blip r:embed="rId4">
+            <a:blip r:embed="rId6">
               <a:extLst>
                 <a:ext uri="{28A0092B-C50C-407E-A947-70E740481C1C}">
                   <a14:useLocalDpi xmlns:a14="http://schemas.microsoft.com/office/drawing/2010/main" val="0"/>
@@ -4370,6 +4493,617 @@
           </p:spPr>
         </p:pic>
       </p:grpSp>
+      <mc:AlternateContent xmlns:mc="http://schemas.openxmlformats.org/markup-compatibility/2006">
+        <mc:Choice xmlns:a14="http://schemas.microsoft.com/office/drawing/2010/main" Requires="a14">
+          <p:sp>
+            <p:nvSpPr>
+              <p:cNvPr id="2" name="TextBox 1">
+                <a:extLst>
+                  <a:ext uri="{FF2B5EF4-FFF2-40B4-BE49-F238E27FC236}">
+                    <a16:creationId xmlns:a16="http://schemas.microsoft.com/office/drawing/2014/main" id="{B9AE8B49-CEFA-4BD3-AD12-625491BE8C97}"/>
+                  </a:ext>
+                </a:extLst>
+              </p:cNvPr>
+              <p:cNvSpPr txBox="1"/>
+              <p:nvPr/>
+            </p:nvSpPr>
+            <p:spPr>
+              <a:xfrm>
+                <a:off x="-106476" y="1859742"/>
+                <a:ext cx="2196620" cy="584775"/>
+              </a:xfrm>
+              <a:prstGeom prst="rect">
+                <a:avLst/>
+              </a:prstGeom>
+              <a:noFill/>
+            </p:spPr>
+            <p:txBody>
+              <a:bodyPr wrap="square" rtlCol="0">
+                <a:spAutoFit/>
+              </a:bodyPr>
+              <a:lstStyle/>
+              <a:p>
+                <a:pPr algn="ctr"/>
+                <a:r>
+                  <a:rPr lang="en-US" sz="3200" dirty="0"/>
+                  <a:t>Budget</a:t>
+                </a:r>
+                <a14:m>
+                  <m:oMath xmlns:m="http://schemas.openxmlformats.org/officeDocument/2006/math">
+                    <m:r>
+                      <a:rPr lang="en-US" sz="3200" b="0" i="0" smtClean="0">
+                        <a:latin typeface="Cambria Math" panose="02040503050406030204" pitchFamily="18" charset="0"/>
+                      </a:rPr>
+                      <m:t> </m:t>
+                    </m:r>
+                    <m:sSub>
+                      <m:sSubPr>
+                        <m:ctrlPr>
+                          <a:rPr lang="en-US" sz="3200" i="1" smtClean="0">
+                            <a:latin typeface="Cambria Math" panose="02040503050406030204" pitchFamily="18" charset="0"/>
+                          </a:rPr>
+                        </m:ctrlPr>
+                      </m:sSubPr>
+                      <m:e>
+                        <m:r>
+                          <a:rPr lang="en-US" sz="3200" b="0" i="1" smtClean="0">
+                            <a:latin typeface="Cambria Math" panose="02040503050406030204" pitchFamily="18" charset="0"/>
+                          </a:rPr>
+                          <m:t>𝑀</m:t>
+                        </m:r>
+                      </m:e>
+                      <m:sub>
+                        <m:r>
+                          <a:rPr lang="en-US" sz="3200" b="0" i="1" smtClean="0">
+                            <a:latin typeface="Cambria Math" panose="02040503050406030204" pitchFamily="18" charset="0"/>
+                          </a:rPr>
+                          <m:t>𝑖</m:t>
+                        </m:r>
+                      </m:sub>
+                    </m:sSub>
+                  </m:oMath>
+                </a14:m>
+                <a:endParaRPr lang="en-US" sz="3200" dirty="0"/>
+              </a:p>
+            </p:txBody>
+          </p:sp>
+        </mc:Choice>
+        <mc:Fallback>
+          <p:sp>
+            <p:nvSpPr>
+              <p:cNvPr id="2" name="TextBox 1">
+                <a:extLst>
+                  <a:ext uri="{FF2B5EF4-FFF2-40B4-BE49-F238E27FC236}">
+                    <a16:creationId xmlns:a16="http://schemas.microsoft.com/office/drawing/2014/main" id="{B9AE8B49-CEFA-4BD3-AD12-625491BE8C97}"/>
+                  </a:ext>
+                </a:extLst>
+              </p:cNvPr>
+              <p:cNvSpPr txBox="1">
+                <a:spLocks noRot="1" noChangeAspect="1" noMove="1" noResize="1" noEditPoints="1" noAdjustHandles="1" noChangeArrowheads="1" noChangeShapeType="1" noTextEdit="1"/>
+              </p:cNvSpPr>
+              <p:nvPr/>
+            </p:nvSpPr>
+            <p:spPr>
+              <a:xfrm>
+                <a:off x="-106476" y="1859742"/>
+                <a:ext cx="2196620" cy="584775"/>
+              </a:xfrm>
+              <a:prstGeom prst="rect">
+                <a:avLst/>
+              </a:prstGeom>
+              <a:blipFill>
+                <a:blip r:embed="rId7"/>
+                <a:stretch>
+                  <a:fillRect l="-556" t="-12500" b="-34375"/>
+                </a:stretch>
+              </a:blipFill>
+            </p:spPr>
+            <p:txBody>
+              <a:bodyPr/>
+              <a:lstStyle/>
+              <a:p>
+                <a:r>
+                  <a:rPr lang="en-US">
+                    <a:noFill/>
+                  </a:rPr>
+                  <a:t> </a:t>
+                </a:r>
+              </a:p>
+            </p:txBody>
+          </p:sp>
+        </mc:Fallback>
+      </mc:AlternateContent>
+      <mc:AlternateContent xmlns:mc="http://schemas.openxmlformats.org/markup-compatibility/2006">
+        <mc:Choice xmlns:a14="http://schemas.microsoft.com/office/drawing/2010/main" Requires="a14">
+          <p:sp>
+            <p:nvSpPr>
+              <p:cNvPr id="32" name="TextBox 31">
+                <a:extLst>
+                  <a:ext uri="{FF2B5EF4-FFF2-40B4-BE49-F238E27FC236}">
+                    <a16:creationId xmlns:a16="http://schemas.microsoft.com/office/drawing/2014/main" id="{E5C6316A-6043-4969-B067-8B4A9B545C9C}"/>
+                  </a:ext>
+                </a:extLst>
+              </p:cNvPr>
+              <p:cNvSpPr txBox="1"/>
+              <p:nvPr/>
+            </p:nvSpPr>
+            <p:spPr>
+              <a:xfrm>
+                <a:off x="-106476" y="4826934"/>
+                <a:ext cx="2196620" cy="624338"/>
+              </a:xfrm>
+              <a:prstGeom prst="rect">
+                <a:avLst/>
+              </a:prstGeom>
+              <a:noFill/>
+            </p:spPr>
+            <p:txBody>
+              <a:bodyPr wrap="square" rtlCol="0">
+                <a:spAutoFit/>
+              </a:bodyPr>
+              <a:lstStyle/>
+              <a:p>
+                <a:pPr algn="ctr"/>
+                <a:r>
+                  <a:rPr lang="en-US" sz="3200" dirty="0"/>
+                  <a:t>Supply</a:t>
+                </a:r>
+                <a:r>
+                  <a:rPr lang="en-US" sz="3200" i="1" dirty="0"/>
+                  <a:t> </a:t>
+                </a:r>
+                <a14:m>
+                  <m:oMath xmlns:m="http://schemas.openxmlformats.org/officeDocument/2006/math">
+                    <m:sSub>
+                      <m:sSubPr>
+                        <m:ctrlPr>
+                          <a:rPr lang="en-US" sz="3200" i="1" smtClean="0">
+                            <a:latin typeface="Cambria Math" panose="02040503050406030204" pitchFamily="18" charset="0"/>
+                          </a:rPr>
+                        </m:ctrlPr>
+                      </m:sSubPr>
+                      <m:e>
+                        <m:r>
+                          <a:rPr lang="en-US" sz="3200" b="0" i="1" smtClean="0">
+                            <a:latin typeface="Cambria Math" panose="02040503050406030204" pitchFamily="18" charset="0"/>
+                          </a:rPr>
+                          <m:t>𝑆</m:t>
+                        </m:r>
+                      </m:e>
+                      <m:sub>
+                        <m:r>
+                          <a:rPr lang="en-US" sz="3200" b="0" i="1" smtClean="0">
+                            <a:latin typeface="Cambria Math" panose="02040503050406030204" pitchFamily="18" charset="0"/>
+                          </a:rPr>
+                          <m:t>𝑗</m:t>
+                        </m:r>
+                      </m:sub>
+                    </m:sSub>
+                  </m:oMath>
+                </a14:m>
+                <a:endParaRPr lang="en-US" sz="3200" dirty="0"/>
+              </a:p>
+            </p:txBody>
+          </p:sp>
+        </mc:Choice>
+        <mc:Fallback>
+          <p:sp>
+            <p:nvSpPr>
+              <p:cNvPr id="32" name="TextBox 31">
+                <a:extLst>
+                  <a:ext uri="{FF2B5EF4-FFF2-40B4-BE49-F238E27FC236}">
+                    <a16:creationId xmlns:a16="http://schemas.microsoft.com/office/drawing/2014/main" id="{E5C6316A-6043-4969-B067-8B4A9B545C9C}"/>
+                  </a:ext>
+                </a:extLst>
+              </p:cNvPr>
+              <p:cNvSpPr txBox="1">
+                <a:spLocks noRot="1" noChangeAspect="1" noMove="1" noResize="1" noEditPoints="1" noAdjustHandles="1" noChangeArrowheads="1" noChangeShapeType="1" noTextEdit="1"/>
+              </p:cNvSpPr>
+              <p:nvPr/>
+            </p:nvSpPr>
+            <p:spPr>
+              <a:xfrm>
+                <a:off x="-106476" y="4826934"/>
+                <a:ext cx="2196620" cy="624338"/>
+              </a:xfrm>
+              <a:prstGeom prst="rect">
+                <a:avLst/>
+              </a:prstGeom>
+              <a:blipFill>
+                <a:blip r:embed="rId8"/>
+                <a:stretch>
+                  <a:fillRect t="-11765" b="-26471"/>
+                </a:stretch>
+              </a:blipFill>
+            </p:spPr>
+            <p:txBody>
+              <a:bodyPr/>
+              <a:lstStyle/>
+              <a:p>
+                <a:r>
+                  <a:rPr lang="en-US">
+                    <a:noFill/>
+                  </a:rPr>
+                  <a:t> </a:t>
+                </a:r>
+              </a:p>
+            </p:txBody>
+          </p:sp>
+        </mc:Fallback>
+      </mc:AlternateContent>
+      <mc:AlternateContent xmlns:mc="http://schemas.openxmlformats.org/markup-compatibility/2006">
+        <mc:Choice xmlns:a14="http://schemas.microsoft.com/office/drawing/2010/main" Requires="a14">
+          <p:sp>
+            <p:nvSpPr>
+              <p:cNvPr id="33" name="TextBox 32">
+                <a:extLst>
+                  <a:ext uri="{FF2B5EF4-FFF2-40B4-BE49-F238E27FC236}">
+                    <a16:creationId xmlns:a16="http://schemas.microsoft.com/office/drawing/2014/main" id="{A14DD9AF-3DAC-4126-A99E-1400A07621EE}"/>
+                  </a:ext>
+                </a:extLst>
+              </p:cNvPr>
+              <p:cNvSpPr txBox="1"/>
+              <p:nvPr/>
+            </p:nvSpPr>
+            <p:spPr>
+              <a:xfrm>
+                <a:off x="-28422" y="3519113"/>
+                <a:ext cx="2040512" cy="624338"/>
+              </a:xfrm>
+              <a:prstGeom prst="rect">
+                <a:avLst/>
+              </a:prstGeom>
+              <a:noFill/>
+            </p:spPr>
+            <p:txBody>
+              <a:bodyPr wrap="square" rtlCol="0">
+                <a:spAutoFit/>
+              </a:bodyPr>
+              <a:lstStyle/>
+              <a:p>
+                <a:pPr algn="ctr"/>
+                <a:r>
+                  <a:rPr lang="en-US" sz="3200" dirty="0"/>
+                  <a:t>Utility</a:t>
+                </a:r>
+                <a:r>
+                  <a:rPr lang="en-US" sz="3200" i="1" dirty="0"/>
+                  <a:t> </a:t>
+                </a:r>
+                <a14:m>
+                  <m:oMath xmlns:m="http://schemas.openxmlformats.org/officeDocument/2006/math">
+                    <m:sSub>
+                      <m:sSubPr>
+                        <m:ctrlPr>
+                          <a:rPr lang="en-US" sz="3200" i="1" smtClean="0">
+                            <a:latin typeface="Cambria Math" panose="02040503050406030204" pitchFamily="18" charset="0"/>
+                          </a:rPr>
+                        </m:ctrlPr>
+                      </m:sSubPr>
+                      <m:e>
+                        <m:r>
+                          <a:rPr lang="en-US" sz="3200" b="0" i="1" smtClean="0">
+                            <a:latin typeface="Cambria Math" panose="02040503050406030204" pitchFamily="18" charset="0"/>
+                          </a:rPr>
+                          <m:t>𝑈</m:t>
+                        </m:r>
+                      </m:e>
+                      <m:sub>
+                        <m:r>
+                          <a:rPr lang="en-US" sz="3200" b="0" i="1" smtClean="0">
+                            <a:latin typeface="Cambria Math" panose="02040503050406030204" pitchFamily="18" charset="0"/>
+                          </a:rPr>
+                          <m:t>𝑖𝑗</m:t>
+                        </m:r>
+                      </m:sub>
+                    </m:sSub>
+                  </m:oMath>
+                </a14:m>
+                <a:endParaRPr lang="en-US" sz="3200" dirty="0"/>
+              </a:p>
+            </p:txBody>
+          </p:sp>
+        </mc:Choice>
+        <mc:Fallback>
+          <p:sp>
+            <p:nvSpPr>
+              <p:cNvPr id="33" name="TextBox 32">
+                <a:extLst>
+                  <a:ext uri="{FF2B5EF4-FFF2-40B4-BE49-F238E27FC236}">
+                    <a16:creationId xmlns:a16="http://schemas.microsoft.com/office/drawing/2014/main" id="{A14DD9AF-3DAC-4126-A99E-1400A07621EE}"/>
+                  </a:ext>
+                </a:extLst>
+              </p:cNvPr>
+              <p:cNvSpPr txBox="1">
+                <a:spLocks noRot="1" noChangeAspect="1" noMove="1" noResize="1" noEditPoints="1" noAdjustHandles="1" noChangeArrowheads="1" noChangeShapeType="1" noTextEdit="1"/>
+              </p:cNvSpPr>
+              <p:nvPr/>
+            </p:nvSpPr>
+            <p:spPr>
+              <a:xfrm>
+                <a:off x="-28422" y="3519113"/>
+                <a:ext cx="2040512" cy="624338"/>
+              </a:xfrm>
+              <a:prstGeom prst="rect">
+                <a:avLst/>
+              </a:prstGeom>
+              <a:blipFill>
+                <a:blip r:embed="rId9"/>
+                <a:stretch>
+                  <a:fillRect l="-1493" t="-11650" b="-25243"/>
+                </a:stretch>
+              </a:blipFill>
+            </p:spPr>
+            <p:txBody>
+              <a:bodyPr/>
+              <a:lstStyle/>
+              <a:p>
+                <a:r>
+                  <a:rPr lang="en-US">
+                    <a:noFill/>
+                  </a:rPr>
+                  <a:t> </a:t>
+                </a:r>
+              </a:p>
+            </p:txBody>
+          </p:sp>
+        </mc:Fallback>
+      </mc:AlternateContent>
+      <mc:AlternateContent xmlns:mc="http://schemas.openxmlformats.org/markup-compatibility/2006">
+        <mc:Choice xmlns:a14="http://schemas.microsoft.com/office/drawing/2010/main" Requires="a14">
+          <p:sp>
+            <p:nvSpPr>
+              <p:cNvPr id="35" name="TextBox 34">
+                <a:extLst>
+                  <a:ext uri="{FF2B5EF4-FFF2-40B4-BE49-F238E27FC236}">
+                    <a16:creationId xmlns:a16="http://schemas.microsoft.com/office/drawing/2014/main" id="{5B708BF9-FB14-45C0-AFBB-07C5A24FBDAC}"/>
+                  </a:ext>
+                </a:extLst>
+              </p:cNvPr>
+              <p:cNvSpPr txBox="1"/>
+              <p:nvPr/>
+            </p:nvSpPr>
+            <p:spPr>
+              <a:xfrm>
+                <a:off x="9772815" y="1593738"/>
+                <a:ext cx="2196620" cy="1116781"/>
+              </a:xfrm>
+              <a:prstGeom prst="rect">
+                <a:avLst/>
+              </a:prstGeom>
+              <a:noFill/>
+            </p:spPr>
+            <p:txBody>
+              <a:bodyPr wrap="square" rtlCol="0">
+                <a:spAutoFit/>
+              </a:bodyPr>
+              <a:lstStyle/>
+              <a:p>
+                <a:pPr algn="ctr"/>
+                <a:r>
+                  <a:rPr lang="en-US" sz="3200" dirty="0"/>
+                  <a:t>Allocation</a:t>
+                </a:r>
+              </a:p>
+              <a:p>
+                <a:pPr algn="ctr"/>
+                <a14:m>
+                  <m:oMath xmlns:m="http://schemas.openxmlformats.org/officeDocument/2006/math">
+                    <m:r>
+                      <a:rPr lang="en-US" sz="3200" b="0" i="0" smtClean="0">
+                        <a:latin typeface="Cambria Math" panose="02040503050406030204" pitchFamily="18" charset="0"/>
+                      </a:rPr>
+                      <m:t> </m:t>
+                    </m:r>
+                    <m:sSub>
+                      <m:sSubPr>
+                        <m:ctrlPr>
+                          <a:rPr lang="en-US" sz="3200" i="1" smtClean="0">
+                            <a:latin typeface="Cambria Math" panose="02040503050406030204" pitchFamily="18" charset="0"/>
+                          </a:rPr>
+                        </m:ctrlPr>
+                      </m:sSubPr>
+                      <m:e>
+                        <m:r>
+                          <a:rPr lang="en-US" sz="3200" b="0" i="1" smtClean="0">
+                            <a:latin typeface="Cambria Math" panose="02040503050406030204" pitchFamily="18" charset="0"/>
+                          </a:rPr>
+                          <m:t>𝑥</m:t>
+                        </m:r>
+                      </m:e>
+                      <m:sub>
+                        <m:r>
+                          <a:rPr lang="en-US" sz="3200" b="0" i="1" smtClean="0">
+                            <a:latin typeface="Cambria Math" panose="02040503050406030204" pitchFamily="18" charset="0"/>
+                          </a:rPr>
+                          <m:t>𝑖𝑗</m:t>
+                        </m:r>
+                      </m:sub>
+                    </m:sSub>
+                  </m:oMath>
+                </a14:m>
+                <a:r>
+                  <a:rPr lang="en-US" sz="3200" dirty="0"/>
+                  <a:t> = ?</a:t>
+                </a:r>
+              </a:p>
+            </p:txBody>
+          </p:sp>
+        </mc:Choice>
+        <mc:Fallback>
+          <p:sp>
+            <p:nvSpPr>
+              <p:cNvPr id="35" name="TextBox 34">
+                <a:extLst>
+                  <a:ext uri="{FF2B5EF4-FFF2-40B4-BE49-F238E27FC236}">
+                    <a16:creationId xmlns:a16="http://schemas.microsoft.com/office/drawing/2014/main" id="{5B708BF9-FB14-45C0-AFBB-07C5A24FBDAC}"/>
+                  </a:ext>
+                </a:extLst>
+              </p:cNvPr>
+              <p:cNvSpPr txBox="1">
+                <a:spLocks noRot="1" noChangeAspect="1" noMove="1" noResize="1" noEditPoints="1" noAdjustHandles="1" noChangeArrowheads="1" noChangeShapeType="1" noTextEdit="1"/>
+              </p:cNvSpPr>
+              <p:nvPr/>
+            </p:nvSpPr>
+            <p:spPr>
+              <a:xfrm>
+                <a:off x="9772815" y="1593738"/>
+                <a:ext cx="2196620" cy="1116781"/>
+              </a:xfrm>
+              <a:prstGeom prst="rect">
+                <a:avLst/>
+              </a:prstGeom>
+              <a:blipFill>
+                <a:blip r:embed="rId10"/>
+                <a:stretch>
+                  <a:fillRect t="-7065" b="-13587"/>
+                </a:stretch>
+              </a:blipFill>
+            </p:spPr>
+            <p:txBody>
+              <a:bodyPr/>
+              <a:lstStyle/>
+              <a:p>
+                <a:r>
+                  <a:rPr lang="en-US">
+                    <a:noFill/>
+                  </a:rPr>
+                  <a:t> </a:t>
+                </a:r>
+              </a:p>
+            </p:txBody>
+          </p:sp>
+        </mc:Fallback>
+      </mc:AlternateContent>
+      <mc:AlternateContent xmlns:mc="http://schemas.openxmlformats.org/markup-compatibility/2006">
+        <mc:Choice xmlns:a14="http://schemas.microsoft.com/office/drawing/2010/main" Requires="a14">
+          <p:sp>
+            <p:nvSpPr>
+              <p:cNvPr id="36" name="TextBox 35">
+                <a:extLst>
+                  <a:ext uri="{FF2B5EF4-FFF2-40B4-BE49-F238E27FC236}">
+                    <a16:creationId xmlns:a16="http://schemas.microsoft.com/office/drawing/2014/main" id="{2A0CFB20-F4D4-46DF-870A-296F56AF423B}"/>
+                  </a:ext>
+                </a:extLst>
+              </p:cNvPr>
+              <p:cNvSpPr txBox="1"/>
+              <p:nvPr/>
+            </p:nvSpPr>
+            <p:spPr>
+              <a:xfrm>
+                <a:off x="9772815" y="4580712"/>
+                <a:ext cx="2196620" cy="1116781"/>
+              </a:xfrm>
+              <a:prstGeom prst="rect">
+                <a:avLst/>
+              </a:prstGeom>
+              <a:noFill/>
+            </p:spPr>
+            <p:txBody>
+              <a:bodyPr wrap="square" rtlCol="0">
+                <a:spAutoFit/>
+              </a:bodyPr>
+              <a:lstStyle/>
+              <a:p>
+                <a:pPr algn="ctr"/>
+                <a:r>
+                  <a:rPr lang="en-US" sz="3200" dirty="0"/>
+                  <a:t>Price</a:t>
+                </a:r>
+                <a:endParaRPr lang="en-US" sz="3200" b="0" i="0" dirty="0">
+                  <a:latin typeface="Cambria Math" panose="02040503050406030204" pitchFamily="18" charset="0"/>
+                </a:endParaRPr>
+              </a:p>
+              <a:p>
+                <a:pPr algn="ctr"/>
+                <a14:m>
+                  <m:oMath xmlns:m="http://schemas.openxmlformats.org/officeDocument/2006/math">
+                    <m:r>
+                      <a:rPr lang="en-US" sz="3200" b="0" i="0" smtClean="0">
+                        <a:latin typeface="Cambria Math" panose="02040503050406030204" pitchFamily="18" charset="0"/>
+                      </a:rPr>
+                      <m:t> </m:t>
+                    </m:r>
+                    <m:sSub>
+                      <m:sSubPr>
+                        <m:ctrlPr>
+                          <a:rPr lang="en-US" sz="3200" i="1" smtClean="0">
+                            <a:latin typeface="Cambria Math" panose="02040503050406030204" pitchFamily="18" charset="0"/>
+                          </a:rPr>
+                        </m:ctrlPr>
+                      </m:sSubPr>
+                      <m:e>
+                        <m:r>
+                          <a:rPr lang="en-US" sz="3200" b="0" i="1" smtClean="0">
+                            <a:latin typeface="Cambria Math" panose="02040503050406030204" pitchFamily="18" charset="0"/>
+                          </a:rPr>
+                          <m:t>𝑃</m:t>
+                        </m:r>
+                      </m:e>
+                      <m:sub>
+                        <m:r>
+                          <a:rPr lang="en-US" sz="3200" b="0" i="1" smtClean="0">
+                            <a:latin typeface="Cambria Math" panose="02040503050406030204" pitchFamily="18" charset="0"/>
+                          </a:rPr>
+                          <m:t>𝑗</m:t>
+                        </m:r>
+                      </m:sub>
+                    </m:sSub>
+                  </m:oMath>
+                </a14:m>
+                <a:r>
+                  <a:rPr lang="en-US" sz="3200" dirty="0"/>
+                  <a:t> = ?</a:t>
+                </a:r>
+              </a:p>
+            </p:txBody>
+          </p:sp>
+        </mc:Choice>
+        <mc:Fallback>
+          <p:sp>
+            <p:nvSpPr>
+              <p:cNvPr id="36" name="TextBox 35">
+                <a:extLst>
+                  <a:ext uri="{FF2B5EF4-FFF2-40B4-BE49-F238E27FC236}">
+                    <a16:creationId xmlns:a16="http://schemas.microsoft.com/office/drawing/2014/main" id="{2A0CFB20-F4D4-46DF-870A-296F56AF423B}"/>
+                  </a:ext>
+                </a:extLst>
+              </p:cNvPr>
+              <p:cNvSpPr txBox="1">
+                <a:spLocks noRot="1" noChangeAspect="1" noMove="1" noResize="1" noEditPoints="1" noAdjustHandles="1" noChangeArrowheads="1" noChangeShapeType="1" noTextEdit="1"/>
+              </p:cNvSpPr>
+              <p:nvPr/>
+            </p:nvSpPr>
+            <p:spPr>
+              <a:xfrm>
+                <a:off x="9772815" y="4580712"/>
+                <a:ext cx="2196620" cy="1116781"/>
+              </a:xfrm>
+              <a:prstGeom prst="rect">
+                <a:avLst/>
+              </a:prstGeom>
+              <a:blipFill>
+                <a:blip r:embed="rId11"/>
+                <a:stretch>
+                  <a:fillRect t="-6522" b="-13587"/>
+                </a:stretch>
+              </a:blipFill>
+            </p:spPr>
+            <p:txBody>
+              <a:bodyPr/>
+              <a:lstStyle/>
+              <a:p>
+                <a:r>
+                  <a:rPr lang="en-US">
+                    <a:noFill/>
+                  </a:rPr>
+                  <a:t> </a:t>
+                </a:r>
+              </a:p>
+            </p:txBody>
+          </p:sp>
+        </mc:Fallback>
+      </mc:AlternateContent>
     </p:spTree>
     <p:extLst>
       <p:ext uri="{BB962C8B-B14F-4D97-AF65-F5344CB8AC3E}">
